--- a/sessions/session-03/slides.pptx
+++ b/sessions/session-03/slides.pptx
@@ -3198,11 +3198,11 @@
         <p:spPr>
           <a:xfrm>
             <a:off x="355550" y="1620589"/>
-            <a:ext cx="2743200" cy="1332905"/>
+            <a:ext cx="2743200" cy="1538288"/>
           </a:xfrm>
           <a:prstGeom prst="roundRect">
             <a:avLst>
-              <a:gd name="adj" fmla="val 5717"/>
+              <a:gd name="adj" fmla="val 4954"/>
             </a:avLst>
           </a:prstGeom>
           <a:solidFill>
@@ -3230,7 +3230,7 @@
         <p:spPr>
           <a:xfrm>
             <a:off x="457608" y="1747391"/>
-            <a:ext cx="2539085" cy="257175"/>
+            <a:ext cx="2539085" cy="308521"/>
           </a:xfrm>
           <a:prstGeom prst="rect">
             <a:avLst/>
@@ -3244,7 +3244,7 @@
           <a:p>
             <a:pPr algn="ctr" indent="0" marL="0">
               <a:lnSpc>
-                <a:spcPts val="2025"/>
+                <a:spcPts val="2430"/>
               </a:lnSpc>
               <a:spcBef>
                 <a:spcPts val="200"/>
@@ -3255,7 +3255,7 @@
               <a:buNone/>
             </a:pPr>
             <a:r>
-              <a:rPr lang="en-US" sz="1500" b="1" dirty="0">
+              <a:rPr lang="en-US" sz="1800" b="1" dirty="0">
                 <a:solidFill>
                   <a:srgbClr val="2C2C2C"/>
                 </a:solidFill>
@@ -3265,7 +3265,7 @@
               </a:rPr>
               <a:t>|||</a:t>
             </a:r>
-            <a:endParaRPr lang="en-US" sz="1500" dirty="0"/>
+            <a:endParaRPr lang="en-US" sz="1800" dirty="0"/>
           </a:p>
         </p:txBody>
       </p:sp>
@@ -3277,8 +3277,8 @@
         </p:nvSpPr>
         <p:spPr>
           <a:xfrm>
-            <a:off x="457608" y="2029867"/>
-            <a:ext cx="2539085" cy="257175"/>
+            <a:off x="457608" y="2081212"/>
+            <a:ext cx="2539085" cy="308521"/>
           </a:xfrm>
           <a:prstGeom prst="rect">
             <a:avLst/>
@@ -3292,7 +3292,7 @@
           <a:p>
             <a:pPr algn="ctr" indent="0" marL="0">
               <a:lnSpc>
-                <a:spcPts val="2025"/>
+                <a:spcPts val="2430"/>
               </a:lnSpc>
               <a:spcBef>
                 <a:spcPts val="200"/>
@@ -3303,7 +3303,7 @@
               <a:buNone/>
             </a:pPr>
             <a:r>
-              <a:rPr lang="en-US" sz="1500" b="1" dirty="0">
+              <a:rPr lang="en-US" sz="1800" b="1" dirty="0">
                 <a:solidFill>
                   <a:srgbClr val="2C2C2C"/>
                 </a:solidFill>
@@ -3313,7 +3313,7 @@
               </a:rPr>
               <a:t>Board View</a:t>
             </a:r>
-            <a:endParaRPr lang="en-US" sz="1500" dirty="0"/>
+            <a:endParaRPr lang="en-US" sz="1800" dirty="0"/>
           </a:p>
         </p:txBody>
       </p:sp>
@@ -3325,8 +3325,8 @@
         </p:nvSpPr>
         <p:spPr>
           <a:xfrm>
-            <a:off x="457608" y="2312343"/>
-            <a:ext cx="2539085" cy="257175"/>
+            <a:off x="457608" y="2415034"/>
+            <a:ext cx="2539085" cy="617041"/>
           </a:xfrm>
           <a:prstGeom prst="rect">
             <a:avLst/>
@@ -3340,7 +3340,7 @@
           <a:p>
             <a:pPr algn="ctr" indent="0" marL="0">
               <a:lnSpc>
-                <a:spcPts val="2025"/>
+                <a:spcPts val="2430"/>
               </a:lnSpc>
               <a:spcBef>
                 <a:spcPts val="200"/>
@@ -3351,7 +3351,7 @@
               <a:buNone/>
             </a:pPr>
             <a:r>
-              <a:rPr lang="en-US" sz="1500" dirty="0">
+              <a:rPr lang="en-US" sz="1800" dirty="0">
                 <a:solidFill>
                   <a:srgbClr val="2C2C2C"/>
                 </a:solidFill>
@@ -3361,7 +3361,7 @@
               </a:rPr>
               <a:t>"What needs doing today?"</a:t>
             </a:r>
-            <a:endParaRPr lang="en-US" sz="1500" dirty="0"/>
+            <a:endParaRPr lang="en-US" sz="1800" dirty="0"/>
           </a:p>
         </p:txBody>
       </p:sp>
@@ -3374,11 +3374,11 @@
         <p:spPr>
           <a:xfrm>
             <a:off x="3200251" y="1620589"/>
-            <a:ext cx="2743349" cy="1332905"/>
+            <a:ext cx="2743349" cy="1538288"/>
           </a:xfrm>
           <a:prstGeom prst="roundRect">
             <a:avLst>
-              <a:gd name="adj" fmla="val 5717"/>
+              <a:gd name="adj" fmla="val 4954"/>
             </a:avLst>
           </a:prstGeom>
           <a:solidFill>
@@ -3406,7 +3406,7 @@
         <p:spPr>
           <a:xfrm>
             <a:off x="3302307" y="1747391"/>
-            <a:ext cx="2539237" cy="257175"/>
+            <a:ext cx="2539237" cy="308521"/>
           </a:xfrm>
           <a:prstGeom prst="rect">
             <a:avLst/>
@@ -3420,7 +3420,7 @@
           <a:p>
             <a:pPr algn="ctr" indent="0" marL="0">
               <a:lnSpc>
-                <a:spcPts val="2025"/>
+                <a:spcPts val="2430"/>
               </a:lnSpc>
               <a:spcBef>
                 <a:spcPts val="200"/>
@@ -3431,7 +3431,7 @@
               <a:buNone/>
             </a:pPr>
             <a:r>
-              <a:rPr lang="en-US" sz="1500" b="1" dirty="0">
+              <a:rPr lang="en-US" sz="1800" b="1" dirty="0">
                 <a:solidFill>
                   <a:srgbClr val="2C2C2C"/>
                 </a:solidFill>
@@ -3441,7 +3441,7 @@
               </a:rPr>
               <a:t>=#</a:t>
             </a:r>
-            <a:endParaRPr lang="en-US" sz="1500" dirty="0"/>
+            <a:endParaRPr lang="en-US" sz="1800" dirty="0"/>
           </a:p>
         </p:txBody>
       </p:sp>
@@ -3453,8 +3453,8 @@
         </p:nvSpPr>
         <p:spPr>
           <a:xfrm>
-            <a:off x="3302307" y="2029867"/>
-            <a:ext cx="2539237" cy="257175"/>
+            <a:off x="3302307" y="2081212"/>
+            <a:ext cx="2539237" cy="308521"/>
           </a:xfrm>
           <a:prstGeom prst="rect">
             <a:avLst/>
@@ -3468,7 +3468,7 @@
           <a:p>
             <a:pPr algn="ctr" indent="0" marL="0">
               <a:lnSpc>
-                <a:spcPts val="2025"/>
+                <a:spcPts val="2430"/>
               </a:lnSpc>
               <a:spcBef>
                 <a:spcPts val="200"/>
@@ -3479,7 +3479,7 @@
               <a:buNone/>
             </a:pPr>
             <a:r>
-              <a:rPr lang="en-US" sz="1500" b="1" dirty="0">
+              <a:rPr lang="en-US" sz="1800" b="1" dirty="0">
                 <a:solidFill>
                   <a:srgbClr val="2C2C2C"/>
                 </a:solidFill>
@@ -3489,7 +3489,7 @@
               </a:rPr>
               <a:t>Table View</a:t>
             </a:r>
-            <a:endParaRPr lang="en-US" sz="1500" dirty="0"/>
+            <a:endParaRPr lang="en-US" sz="1800" dirty="0"/>
           </a:p>
         </p:txBody>
       </p:sp>
@@ -3501,8 +3501,8 @@
         </p:nvSpPr>
         <p:spPr>
           <a:xfrm>
-            <a:off x="3302307" y="2312343"/>
-            <a:ext cx="2539237" cy="514350"/>
+            <a:off x="3302307" y="2415034"/>
+            <a:ext cx="2539237" cy="617041"/>
           </a:xfrm>
           <a:prstGeom prst="rect">
             <a:avLst/>
@@ -3516,7 +3516,7 @@
           <a:p>
             <a:pPr algn="ctr" indent="0" marL="0">
               <a:lnSpc>
-                <a:spcPts val="2025"/>
+                <a:spcPts val="2430"/>
               </a:lnSpc>
               <a:spcBef>
                 <a:spcPts val="200"/>
@@ -3527,7 +3527,7 @@
               <a:buNone/>
             </a:pPr>
             <a:r>
-              <a:rPr lang="en-US" sz="1500" dirty="0">
+              <a:rPr lang="en-US" sz="1800" dirty="0">
                 <a:solidFill>
                   <a:srgbClr val="2C2C2C"/>
                 </a:solidFill>
@@ -3537,7 +3537,7 @@
               </a:rPr>
               <a:t>"What's everyone working on?"</a:t>
             </a:r>
-            <a:endParaRPr lang="en-US" sz="1500" dirty="0"/>
+            <a:endParaRPr lang="en-US" sz="1800" dirty="0"/>
           </a:p>
         </p:txBody>
       </p:sp>
@@ -3550,11 +3550,11 @@
         <p:spPr>
           <a:xfrm>
             <a:off x="6045101" y="1620589"/>
-            <a:ext cx="2743349" cy="1332905"/>
+            <a:ext cx="2743349" cy="1538288"/>
           </a:xfrm>
           <a:prstGeom prst="roundRect">
             <a:avLst>
-              <a:gd name="adj" fmla="val 5717"/>
+              <a:gd name="adj" fmla="val 4954"/>
             </a:avLst>
           </a:prstGeom>
           <a:solidFill>
@@ -3582,7 +3582,7 @@
         <p:spPr>
           <a:xfrm>
             <a:off x="6147157" y="1747391"/>
-            <a:ext cx="2539237" cy="257175"/>
+            <a:ext cx="2539237" cy="308521"/>
           </a:xfrm>
           <a:prstGeom prst="rect">
             <a:avLst/>
@@ -3596,7 +3596,7 @@
           <a:p>
             <a:pPr algn="ctr" indent="0" marL="0">
               <a:lnSpc>
-                <a:spcPts val="2025"/>
+                <a:spcPts val="2430"/>
               </a:lnSpc>
               <a:spcBef>
                 <a:spcPts val="200"/>
@@ -3607,7 +3607,7 @@
               <a:buNone/>
             </a:pPr>
             <a:r>
-              <a:rPr lang="en-US" sz="1500" b="1" dirty="0">
+              <a:rPr lang="en-US" sz="1800" b="1" dirty="0">
                 <a:solidFill>
                   <a:srgbClr val="2C2C2C"/>
                 </a:solidFill>
@@ -3617,7 +3617,7 @@
               </a:rPr>
               <a:t>--&gt;</a:t>
             </a:r>
-            <a:endParaRPr lang="en-US" sz="1500" dirty="0"/>
+            <a:endParaRPr lang="en-US" sz="1800" dirty="0"/>
           </a:p>
         </p:txBody>
       </p:sp>
@@ -3629,8 +3629,8 @@
         </p:nvSpPr>
         <p:spPr>
           <a:xfrm>
-            <a:off x="6147157" y="2029867"/>
-            <a:ext cx="2539237" cy="257175"/>
+            <a:off x="6147157" y="2081212"/>
+            <a:ext cx="2539237" cy="308521"/>
           </a:xfrm>
           <a:prstGeom prst="rect">
             <a:avLst/>
@@ -3644,7 +3644,7 @@
           <a:p>
             <a:pPr algn="ctr" indent="0" marL="0">
               <a:lnSpc>
-                <a:spcPts val="2025"/>
+                <a:spcPts val="2430"/>
               </a:lnSpc>
               <a:spcBef>
                 <a:spcPts val="200"/>
@@ -3655,7 +3655,7 @@
               <a:buNone/>
             </a:pPr>
             <a:r>
-              <a:rPr lang="en-US" sz="1500" b="1" dirty="0">
+              <a:rPr lang="en-US" sz="1800" b="1" dirty="0">
                 <a:solidFill>
                   <a:srgbClr val="2C2C2C"/>
                 </a:solidFill>
@@ -3665,7 +3665,7 @@
               </a:rPr>
               <a:t>Timeline View</a:t>
             </a:r>
-            <a:endParaRPr lang="en-US" sz="1500" dirty="0"/>
+            <a:endParaRPr lang="en-US" sz="1800" dirty="0"/>
           </a:p>
         </p:txBody>
       </p:sp>
@@ -3677,8 +3677,8 @@
         </p:nvSpPr>
         <p:spPr>
           <a:xfrm>
-            <a:off x="6147157" y="2312343"/>
-            <a:ext cx="2539237" cy="257175"/>
+            <a:off x="6147157" y="2415034"/>
+            <a:ext cx="2539237" cy="617041"/>
           </a:xfrm>
           <a:prstGeom prst="rect">
             <a:avLst/>
@@ -3692,7 +3692,7 @@
           <a:p>
             <a:pPr algn="ctr" indent="0" marL="0">
               <a:lnSpc>
-                <a:spcPts val="2025"/>
+                <a:spcPts val="2430"/>
               </a:lnSpc>
               <a:spcBef>
                 <a:spcPts val="200"/>
@@ -3703,7 +3703,7 @@
               <a:buNone/>
             </a:pPr>
             <a:r>
-              <a:rPr lang="en-US" sz="1500" dirty="0">
+              <a:rPr lang="en-US" sz="1800" dirty="0">
                 <a:solidFill>
                   <a:srgbClr val="2C2C2C"/>
                 </a:solidFill>
@@ -3713,7 +3713,7 @@
               </a:rPr>
               <a:t>"When do I plant each field?"</a:t>
             </a:r>
-            <a:endParaRPr lang="en-US" sz="1500" dirty="0"/>
+            <a:endParaRPr lang="en-US" sz="1800" dirty="0"/>
           </a:p>
         </p:txBody>
       </p:sp>
@@ -3725,7 +3725,7 @@
         </p:nvSpPr>
         <p:spPr>
           <a:xfrm>
-            <a:off x="355550" y="3118396"/>
+            <a:off x="355550" y="3323779"/>
             <a:ext cx="8601557" cy="651272"/>
           </a:xfrm>
           <a:prstGeom prst="rect">
@@ -5101,7 +5101,7 @@
                 <a:ea typeface="Arial" pitchFamily="34" charset="-122"/>
                 <a:cs typeface="Arial" pitchFamily="34" charset="-120"/>
               </a:rPr>
-              <a:t>To Do</a:t>
+              <a:t>Todo</a:t>
             </a:r>
             <a:endParaRPr lang="en-US" sz="1300" dirty="0"/>
           </a:p>
@@ -5924,7 +5924,7 @@
                 <a:ea typeface="Arial" pitchFamily="34" charset="-122"/>
                 <a:cs typeface="Arial" pitchFamily="34" charset="-120"/>
               </a:rPr>
-              <a:t>Default columns: To Do, In Progress, Done</a:t>
+              <a:t>Default columns: Todo, In Progress, Done</a:t>
             </a:r>
             <a:endParaRPr lang="en-US" sz="1900" dirty="0"/>
           </a:p>
@@ -5987,11 +5987,11 @@
         <p:spPr>
           <a:xfrm>
             <a:off x="355550" y="2525464"/>
-            <a:ext cx="1916311" cy="358676"/>
+            <a:ext cx="2026890" cy="375642"/>
           </a:xfrm>
           <a:prstGeom prst="roundRect">
             <a:avLst>
-              <a:gd name="adj" fmla="val 14163"/>
+              <a:gd name="adj" fmla="val 13524"/>
             </a:avLst>
           </a:prstGeom>
           <a:solidFill>
@@ -6019,7 +6019,7 @@
         <p:spPr>
           <a:xfrm>
             <a:off x="482501" y="2576215"/>
-            <a:ext cx="1695658" cy="257175"/>
+            <a:ext cx="1808449" cy="274141"/>
           </a:xfrm>
           <a:prstGeom prst="rect">
             <a:avLst/>
@@ -6033,12 +6033,12 @@
           <a:p>
             <a:pPr algn="l" indent="0" marL="0">
               <a:lnSpc>
-                <a:spcPts val="2025"/>
-              </a:lnSpc>
-              <a:buNone/>
-            </a:pPr>
-            <a:r>
-              <a:rPr lang="en-US" sz="1500" dirty="0">
+                <a:spcPts val="2160"/>
+              </a:lnSpc>
+              <a:buNone/>
+            </a:pPr>
+            <a:r>
+              <a:rPr lang="en-US" sz="1600" dirty="0">
                 <a:solidFill>
                   <a:srgbClr val="2C2C2C"/>
                 </a:solidFill>
@@ -6048,7 +6048,7 @@
               </a:rPr>
               <a:t>Waiting on Weather</a:t>
             </a:r>
-            <a:endParaRPr lang="en-US" sz="1500" dirty="0"/>
+            <a:endParaRPr lang="en-US" sz="1600" dirty="0"/>
           </a:p>
         </p:txBody>
       </p:sp>
@@ -6060,12 +6060,12 @@
         </p:nvSpPr>
         <p:spPr>
           <a:xfrm>
-            <a:off x="2373362" y="2525464"/>
-            <a:ext cx="1644551" cy="358676"/>
+            <a:off x="2483941" y="2525464"/>
+            <a:ext cx="1736973" cy="375642"/>
           </a:xfrm>
           <a:prstGeom prst="roundRect">
             <a:avLst>
-              <a:gd name="adj" fmla="val 14163"/>
+              <a:gd name="adj" fmla="val 13524"/>
             </a:avLst>
           </a:prstGeom>
           <a:solidFill>
@@ -6092,8 +6092,8 @@
         </p:nvSpPr>
         <p:spPr>
           <a:xfrm>
-            <a:off x="2500313" y="2576215"/>
-            <a:ext cx="1418463" cy="257175"/>
+            <a:off x="2610892" y="2576215"/>
+            <a:ext cx="1512734" cy="274141"/>
           </a:xfrm>
           <a:prstGeom prst="rect">
             <a:avLst/>
@@ -6107,12 +6107,12 @@
           <a:p>
             <a:pPr algn="l" indent="0" marL="0">
               <a:lnSpc>
-                <a:spcPts val="2025"/>
-              </a:lnSpc>
-              <a:buNone/>
-            </a:pPr>
-            <a:r>
-              <a:rPr lang="en-US" sz="1500" dirty="0">
+                <a:spcPts val="2160"/>
+              </a:lnSpc>
+              <a:buNone/>
+            </a:pPr>
+            <a:r>
+              <a:rPr lang="en-US" sz="1600" dirty="0">
                 <a:solidFill>
                   <a:srgbClr val="2C2C2C"/>
                 </a:solidFill>
@@ -6122,7 +6122,7 @@
               </a:rPr>
               <a:t>Waiting on Parts</a:t>
             </a:r>
-            <a:endParaRPr lang="en-US" sz="1500" dirty="0"/>
+            <a:endParaRPr lang="en-US" sz="1600" dirty="0"/>
           </a:p>
         </p:txBody>
       </p:sp>
@@ -6134,12 +6134,12 @@
         </p:nvSpPr>
         <p:spPr>
           <a:xfrm>
-            <a:off x="4119414" y="2525464"/>
-            <a:ext cx="1588294" cy="358676"/>
+            <a:off x="4322415" y="2525464"/>
+            <a:ext cx="1676995" cy="375642"/>
           </a:xfrm>
           <a:prstGeom prst="roundRect">
             <a:avLst>
-              <a:gd name="adj" fmla="val 14163"/>
+              <a:gd name="adj" fmla="val 13524"/>
             </a:avLst>
           </a:prstGeom>
           <a:solidFill>
@@ -6166,8 +6166,8 @@
         </p:nvSpPr>
         <p:spPr>
           <a:xfrm>
-            <a:off x="4246364" y="2576215"/>
-            <a:ext cx="1361081" cy="257175"/>
+            <a:off x="4449366" y="2576215"/>
+            <a:ext cx="1451556" cy="274141"/>
           </a:xfrm>
           <a:prstGeom prst="rect">
             <a:avLst/>
@@ -6181,12 +6181,12 @@
           <a:p>
             <a:pPr algn="l" indent="0" marL="0">
               <a:lnSpc>
-                <a:spcPts val="2025"/>
-              </a:lnSpc>
-              <a:buNone/>
-            </a:pPr>
-            <a:r>
-              <a:rPr lang="en-US" sz="1500" dirty="0">
+                <a:spcPts val="2160"/>
+              </a:lnSpc>
+              <a:buNone/>
+            </a:pPr>
+            <a:r>
+              <a:rPr lang="en-US" sz="1600" dirty="0">
                 <a:solidFill>
                   <a:srgbClr val="2C2C2C"/>
                 </a:solidFill>
@@ -6196,7 +6196,7 @@
               </a:rPr>
               <a:t>Needs Supplies</a:t>
             </a:r>
-            <a:endParaRPr lang="en-US" sz="1500" dirty="0"/>
+            <a:endParaRPr lang="en-US" sz="1600" dirty="0"/>
           </a:p>
         </p:txBody>
       </p:sp>
@@ -6208,12 +6208,12 @@
         </p:nvSpPr>
         <p:spPr>
           <a:xfrm>
-            <a:off x="5809208" y="2525464"/>
-            <a:ext cx="2100114" cy="358676"/>
+            <a:off x="6100911" y="2525464"/>
+            <a:ext cx="2222897" cy="375642"/>
           </a:xfrm>
           <a:prstGeom prst="roundRect">
             <a:avLst>
-              <a:gd name="adj" fmla="val 14163"/>
+              <a:gd name="adj" fmla="val 13524"/>
             </a:avLst>
           </a:prstGeom>
           <a:solidFill>
@@ -6240,8 +6240,8 @@
         </p:nvSpPr>
         <p:spPr>
           <a:xfrm>
-            <a:off x="5936159" y="2576215"/>
-            <a:ext cx="1883137" cy="257175"/>
+            <a:off x="6227862" y="2576215"/>
+            <a:ext cx="2008376" cy="274141"/>
           </a:xfrm>
           <a:prstGeom prst="rect">
             <a:avLst/>
@@ -6255,12 +6255,12 @@
           <a:p>
             <a:pPr algn="l" indent="0" marL="0">
               <a:lnSpc>
-                <a:spcPts val="2025"/>
-              </a:lnSpc>
-              <a:buNone/>
-            </a:pPr>
-            <a:r>
-              <a:rPr lang="en-US" sz="1500" dirty="0">
+                <a:spcPts val="2160"/>
+              </a:lnSpc>
+              <a:buNone/>
+            </a:pPr>
+            <a:r>
+              <a:rPr lang="en-US" sz="1600" dirty="0">
                 <a:solidFill>
                   <a:srgbClr val="2C2C2C"/>
                 </a:solidFill>
@@ -6270,7 +6270,7 @@
               </a:rPr>
               <a:t>Scheduled This Week</a:t>
             </a:r>
-            <a:endParaRPr lang="en-US" sz="1500" dirty="0"/>
+            <a:endParaRPr lang="en-US" sz="1600" dirty="0"/>
           </a:p>
         </p:txBody>
       </p:sp>
@@ -6282,7 +6282,7 @@
         </p:nvSpPr>
         <p:spPr>
           <a:xfrm>
-            <a:off x="355550" y="3049042"/>
+            <a:off x="355550" y="3066008"/>
             <a:ext cx="8601557" cy="325636"/>
           </a:xfrm>
           <a:prstGeom prst="rect">
@@ -6376,7 +6376,7 @@
         </p:nvSpPr>
         <p:spPr>
           <a:xfrm>
-            <a:off x="355550" y="3501479"/>
+            <a:off x="355550" y="3518446"/>
             <a:ext cx="8601557" cy="325636"/>
           </a:xfrm>
           <a:prstGeom prst="rect">
@@ -7924,8 +7924,8 @@
         </p:nvSpPr>
         <p:spPr>
           <a:xfrm>
-            <a:off x="355550" y="4306342"/>
-            <a:ext cx="8432899" cy="477143"/>
+            <a:off x="355550" y="4280892"/>
+            <a:ext cx="8432899" cy="460623"/>
           </a:xfrm>
           <a:prstGeom prst="rect">
             <a:avLst/>
@@ -7954,8 +7954,8 @@
         </p:nvSpPr>
         <p:spPr>
           <a:xfrm>
-            <a:off x="384125" y="4306342"/>
-            <a:ext cx="0" cy="477143"/>
+            <a:off x="384125" y="4280892"/>
+            <a:ext cx="0" cy="460623"/>
           </a:xfrm>
           <a:prstGeom prst="line">
             <a:avLst/>
@@ -7977,8 +7977,8 @@
         </p:nvSpPr>
         <p:spPr>
           <a:xfrm>
-            <a:off x="565100" y="4407843"/>
-            <a:ext cx="8232368" cy="274141"/>
+            <a:off x="565100" y="4356943"/>
+            <a:ext cx="8232368" cy="308521"/>
           </a:xfrm>
           <a:prstGeom prst="rect">
             <a:avLst/>
@@ -7992,18 +7992,18 @@
           <a:p>
             <a:pPr algn="l" indent="0" marL="0">
               <a:lnSpc>
-                <a:spcPts val="2160"/>
+                <a:spcPts val="2430"/>
               </a:lnSpc>
               <a:spcBef>
-                <a:spcPts val="200"/>
+                <a:spcPts val="100"/>
               </a:spcBef>
               <a:spcAft>
-                <a:spcPts val="200"/>
+                <a:spcPts val="100"/>
               </a:spcAft>
               <a:buNone/>
             </a:pPr>
             <a:r>
-              <a:rPr lang="en-US" sz="1600" b="1" dirty="0">
+              <a:rPr lang="en-US" sz="1800" b="1" dirty="0">
                 <a:solidFill>
                   <a:srgbClr val="5D4037"/>
                 </a:solidFill>
@@ -8015,18 +8015,18 @@
             </a:r>
             <a:pPr algn="l" indent="0" marL="0">
               <a:lnSpc>
-                <a:spcPts val="2160"/>
+                <a:spcPts val="2430"/>
               </a:lnSpc>
               <a:spcBef>
-                <a:spcPts val="200"/>
+                <a:spcPts val="100"/>
               </a:spcBef>
               <a:spcAft>
-                <a:spcPts val="200"/>
+                <a:spcPts val="100"/>
               </a:spcAft>
               <a:buNone/>
             </a:pPr>
             <a:r>
-              <a:rPr lang="en-US" sz="1600" dirty="0">
+              <a:rPr lang="en-US" sz="1800" dirty="0">
                 <a:solidFill>
                   <a:srgbClr val="5D4037"/>
                 </a:solidFill>
@@ -8034,9 +8034,9 @@
                 <a:ea typeface="Arial" pitchFamily="34" charset="-122"/>
                 <a:cs typeface="Arial" pitchFamily="34" charset="-120"/>
               </a:rPr>
-              <a:t> You should see 3 cards — 2 in "To Do" and 1 in "In Progress."</a:t>
-            </a:r>
-            <a:endParaRPr lang="en-US" sz="1600" dirty="0"/>
+              <a:t> You should see 3 cards — 2 in "Todo" and 1 in "In Progress."</a:t>
+            </a:r>
+            <a:endParaRPr lang="en-US" sz="1800" dirty="0"/>
           </a:p>
         </p:txBody>
       </p:sp>
@@ -8447,7 +8447,7 @@
         <p:spPr>
           <a:xfrm>
             <a:off x="355550" y="1691878"/>
-            <a:ext cx="4210151" cy="257175"/>
+            <a:ext cx="4210151" cy="308521"/>
           </a:xfrm>
           <a:prstGeom prst="rect">
             <a:avLst/>
@@ -8461,7 +8461,7 @@
           <a:p>
             <a:pPr algn="l" indent="0" marL="0">
               <a:lnSpc>
-                <a:spcPts val="2025"/>
+                <a:spcPts val="2430"/>
               </a:lnSpc>
               <a:spcBef>
                 <a:spcPts val="200"/>
@@ -8472,7 +8472,7 @@
               <a:buNone/>
             </a:pPr>
             <a:r>
-              <a:rPr lang="en-US" sz="1500" b="1" dirty="0">
+              <a:rPr lang="en-US" sz="1800" b="1" dirty="0">
                 <a:solidFill>
                   <a:srgbClr val="2C2C2C"/>
                 </a:solidFill>
@@ -8482,7 +8482,7 @@
               </a:rPr>
               <a:t>Choose your scenario:</a:t>
             </a:r>
-            <a:endParaRPr lang="en-US" sz="1500" dirty="0"/>
+            <a:endParaRPr lang="en-US" sz="1800" dirty="0"/>
           </a:p>
         </p:txBody>
       </p:sp>
@@ -8494,8 +8494,8 @@
         </p:nvSpPr>
         <p:spPr>
           <a:xfrm>
-            <a:off x="355550" y="1974354"/>
-            <a:ext cx="4127599" cy="768251"/>
+            <a:off x="355550" y="2025700"/>
+            <a:ext cx="4127599" cy="916484"/>
           </a:xfrm>
           <a:prstGeom prst="rect">
             <a:avLst/>
@@ -8509,7 +8509,7 @@
           <a:p>
             <a:pPr algn="l" marL="114300" indent="-114300">
               <a:lnSpc>
-                <a:spcPts val="1950"/>
+                <a:spcPts val="2340"/>
               </a:lnSpc>
               <a:spcAft>
                 <a:spcPts val="100"/>
@@ -8518,7 +8518,7 @@
               <a:buChar char="•"/>
             </a:pPr>
             <a:r>
-              <a:rPr lang="en-US" sz="1500" b="1" dirty="0">
+              <a:rPr lang="en-US" sz="1800" b="1" dirty="0">
                 <a:solidFill>
                   <a:srgbClr val="2C2C2C"/>
                 </a:solidFill>
@@ -8530,7 +8530,7 @@
             </a:r>
             <a:pPr algn="l" indent="0" marL="0">
               <a:lnSpc>
-                <a:spcPts val="1950"/>
+                <a:spcPts val="2340"/>
               </a:lnSpc>
               <a:spcAft>
                 <a:spcPts val="100"/>
@@ -8538,7 +8538,7 @@
               <a:buNone/>
             </a:pPr>
             <a:r>
-              <a:rPr lang="en-US" sz="1500" dirty="0">
+              <a:rPr lang="en-US" sz="1800" dirty="0">
                 <a:solidFill>
                   <a:srgbClr val="2C2C2C"/>
                 </a:solidFill>
@@ -8548,12 +8548,12 @@
               </a:rPr>
               <a:t> Spring Planting</a:t>
             </a:r>
-            <a:endParaRPr lang="en-US" sz="1500" dirty="0"/>
+            <a:endParaRPr lang="en-US" sz="1800" dirty="0"/>
           </a:p>
           <a:p>
             <a:pPr algn="l" marL="114300" indent="-114300">
               <a:lnSpc>
-                <a:spcPts val="1950"/>
+                <a:spcPts val="2340"/>
               </a:lnSpc>
               <a:spcAft>
                 <a:spcPts val="100"/>
@@ -8562,7 +8562,7 @@
               <a:buChar char="•"/>
             </a:pPr>
             <a:r>
-              <a:rPr lang="en-US" sz="1500" b="1" dirty="0">
+              <a:rPr lang="en-US" sz="1800" b="1" dirty="0">
                 <a:solidFill>
                   <a:srgbClr val="2C2C2C"/>
                 </a:solidFill>
@@ -8574,7 +8574,7 @@
             </a:r>
             <a:pPr algn="l" indent="0" marL="0">
               <a:lnSpc>
-                <a:spcPts val="1950"/>
+                <a:spcPts val="2340"/>
               </a:lnSpc>
               <a:spcAft>
                 <a:spcPts val="100"/>
@@ -8582,7 +8582,7 @@
               <a:buNone/>
             </a:pPr>
             <a:r>
-              <a:rPr lang="en-US" sz="1500" dirty="0">
+              <a:rPr lang="en-US" sz="1800" dirty="0">
                 <a:solidFill>
                   <a:srgbClr val="2C2C2C"/>
                 </a:solidFill>
@@ -8592,12 +8592,12 @@
               </a:rPr>
               <a:t> Equipment Maintenance</a:t>
             </a:r>
-            <a:endParaRPr lang="en-US" sz="1500" dirty="0"/>
+            <a:endParaRPr lang="en-US" sz="1800" dirty="0"/>
           </a:p>
           <a:p>
             <a:pPr algn="l" marL="114300" indent="-114300">
               <a:lnSpc>
-                <a:spcPts val="1950"/>
+                <a:spcPts val="2340"/>
               </a:lnSpc>
               <a:spcAft>
                 <a:spcPts val="100"/>
@@ -8606,7 +8606,7 @@
               <a:buChar char="•"/>
             </a:pPr>
             <a:r>
-              <a:rPr lang="en-US" sz="1500" b="1" dirty="0">
+              <a:rPr lang="en-US" sz="1800" b="1" dirty="0">
                 <a:solidFill>
                   <a:srgbClr val="2C2C2C"/>
                 </a:solidFill>
@@ -8618,7 +8618,7 @@
             </a:r>
             <a:pPr algn="l" indent="0" marL="0">
               <a:lnSpc>
-                <a:spcPts val="1950"/>
+                <a:spcPts val="2340"/>
               </a:lnSpc>
               <a:spcAft>
                 <a:spcPts val="100"/>
@@ -8626,7 +8626,7 @@
               <a:buNone/>
             </a:pPr>
             <a:r>
-              <a:rPr lang="en-US" sz="1500" dirty="0">
+              <a:rPr lang="en-US" sz="1800" dirty="0">
                 <a:solidFill>
                   <a:srgbClr val="2C2C2C"/>
                 </a:solidFill>
@@ -8636,7 +8636,7 @@
               </a:rPr>
               <a:t> Livestock Health</a:t>
             </a:r>
-            <a:endParaRPr lang="en-US" sz="1500" dirty="0"/>
+            <a:endParaRPr lang="en-US" sz="1800" dirty="0"/>
           </a:p>
         </p:txBody>
       </p:sp>
@@ -8649,7 +8649,7 @@
         <p:spPr>
           <a:xfrm>
             <a:off x="4660850" y="1691878"/>
-            <a:ext cx="4210151" cy="257175"/>
+            <a:ext cx="4210151" cy="308521"/>
           </a:xfrm>
           <a:prstGeom prst="rect">
             <a:avLst/>
@@ -8663,7 +8663,7 @@
           <a:p>
             <a:pPr algn="l" indent="0" marL="0">
               <a:lnSpc>
-                <a:spcPts val="2025"/>
+                <a:spcPts val="2430"/>
               </a:lnSpc>
               <a:spcBef>
                 <a:spcPts val="200"/>
@@ -8674,7 +8674,7 @@
               <a:buNone/>
             </a:pPr>
             <a:r>
-              <a:rPr lang="en-US" sz="1500" b="1" dirty="0">
+              <a:rPr lang="en-US" sz="1800" b="1" dirty="0">
                 <a:solidFill>
                   <a:srgbClr val="2C2C2C"/>
                 </a:solidFill>
@@ -8684,7 +8684,7 @@
               </a:rPr>
               <a:t>For your project board:</a:t>
             </a:r>
-            <a:endParaRPr lang="en-US" sz="1500" dirty="0"/>
+            <a:endParaRPr lang="en-US" sz="1800" dirty="0"/>
           </a:p>
         </p:txBody>
       </p:sp>
@@ -8696,8 +8696,8 @@
         </p:nvSpPr>
         <p:spPr>
           <a:xfrm>
-            <a:off x="4660850" y="1974354"/>
-            <a:ext cx="4127599" cy="1288852"/>
+            <a:off x="4660850" y="2025700"/>
+            <a:ext cx="4127599" cy="1535906"/>
           </a:xfrm>
           <a:prstGeom prst="rect">
             <a:avLst/>
@@ -8711,7 +8711,7 @@
           <a:p>
             <a:pPr algn="l" marL="114300" indent="-114300">
               <a:lnSpc>
-                <a:spcPts val="1950"/>
+                <a:spcPts val="2340"/>
               </a:lnSpc>
               <a:spcAft>
                 <a:spcPts val="100"/>
@@ -8720,7 +8720,7 @@
               <a:buChar char="•"/>
             </a:pPr>
             <a:r>
-              <a:rPr lang="en-US" sz="1500" dirty="0">
+              <a:rPr lang="en-US" sz="1800" dirty="0">
                 <a:solidFill>
                   <a:srgbClr val="2C2C2C"/>
                 </a:solidFill>
@@ -8730,12 +8730,12 @@
               </a:rPr>
               <a:t>Create a new Project with a name</a:t>
             </a:r>
-            <a:endParaRPr lang="en-US" sz="1500" dirty="0"/>
+            <a:endParaRPr lang="en-US" sz="1800" dirty="0"/>
           </a:p>
           <a:p>
             <a:pPr algn="l" marL="114300" indent="-114300">
               <a:lnSpc>
-                <a:spcPts val="1950"/>
+                <a:spcPts val="2340"/>
               </a:lnSpc>
               <a:spcAft>
                 <a:spcPts val="100"/>
@@ -8744,7 +8744,7 @@
               <a:buChar char="•"/>
             </a:pPr>
             <a:r>
-              <a:rPr lang="en-US" sz="1500" dirty="0">
+              <a:rPr lang="en-US" sz="1800" dirty="0">
                 <a:solidFill>
                   <a:srgbClr val="2C2C2C"/>
                 </a:solidFill>
@@ -8754,12 +8754,12 @@
               </a:rPr>
               <a:t>Add at least 4 Issues</a:t>
             </a:r>
-            <a:endParaRPr lang="en-US" sz="1500" dirty="0"/>
+            <a:endParaRPr lang="en-US" sz="1800" dirty="0"/>
           </a:p>
           <a:p>
             <a:pPr algn="l" marL="114300" indent="-114300">
               <a:lnSpc>
-                <a:spcPts val="1950"/>
+                <a:spcPts val="2340"/>
               </a:lnSpc>
               <a:spcAft>
                 <a:spcPts val="100"/>
@@ -8768,7 +8768,7 @@
               <a:buChar char="•"/>
             </a:pPr>
             <a:r>
-              <a:rPr lang="en-US" sz="1500" dirty="0">
+              <a:rPr lang="en-US" sz="1800" dirty="0">
                 <a:solidFill>
                   <a:srgbClr val="2C2C2C"/>
                 </a:solidFill>
@@ -8778,12 +8778,12 @@
               </a:rPr>
               <a:t>Move 1 to "In Progress," 1 to "Done"</a:t>
             </a:r>
-            <a:endParaRPr lang="en-US" sz="1500" dirty="0"/>
+            <a:endParaRPr lang="en-US" sz="1800" dirty="0"/>
           </a:p>
           <a:p>
             <a:pPr algn="l" marL="114300" indent="-114300">
               <a:lnSpc>
-                <a:spcPts val="1950"/>
+                <a:spcPts val="2340"/>
               </a:lnSpc>
               <a:spcAft>
                 <a:spcPts val="100"/>
@@ -8792,7 +8792,7 @@
               <a:buChar char="•"/>
             </a:pPr>
             <a:r>
-              <a:rPr lang="en-US" sz="1500" dirty="0">
+              <a:rPr lang="en-US" sz="1800" dirty="0">
                 <a:solidFill>
                   <a:srgbClr val="2C2C2C"/>
                 </a:solidFill>
@@ -8802,12 +8802,12 @@
               </a:rPr>
               <a:t>Add 1 custom column</a:t>
             </a:r>
-            <a:endParaRPr lang="en-US" sz="1500" dirty="0"/>
+            <a:endParaRPr lang="en-US" sz="1800" dirty="0"/>
           </a:p>
           <a:p>
             <a:pPr algn="l" marL="114300" indent="-114300">
               <a:lnSpc>
-                <a:spcPts val="1950"/>
+                <a:spcPts val="2340"/>
               </a:lnSpc>
               <a:spcAft>
                 <a:spcPts val="100"/>
@@ -8816,7 +8816,7 @@
               <a:buChar char="•"/>
             </a:pPr>
             <a:r>
-              <a:rPr lang="en-US" sz="1500" dirty="0">
+              <a:rPr lang="en-US" sz="1800" dirty="0">
                 <a:solidFill>
                   <a:srgbClr val="2C2C2C"/>
                 </a:solidFill>
@@ -8826,7 +8826,7 @@
               </a:rPr>
               <a:t>Switch to Table View</a:t>
             </a:r>
-            <a:endParaRPr lang="en-US" sz="1500" dirty="0"/>
+            <a:endParaRPr lang="en-US" sz="1800" dirty="0"/>
           </a:p>
         </p:txBody>
       </p:sp>
@@ -8940,7 +8940,7 @@
         <p:spPr>
           <a:xfrm>
             <a:off x="355550" y="1142851"/>
-            <a:ext cx="8432899" cy="900113"/>
+            <a:ext cx="8432899" cy="934343"/>
           </a:xfrm>
           <a:prstGeom prst="rect">
             <a:avLst/>
@@ -8970,7 +8970,7 @@
         <p:spPr>
           <a:xfrm>
             <a:off x="384125" y="1142851"/>
-            <a:ext cx="0" cy="900112"/>
+            <a:ext cx="0" cy="934343"/>
           </a:xfrm>
           <a:prstGeom prst="line">
             <a:avLst/>
@@ -8993,7 +8993,7 @@
         <p:spPr>
           <a:xfrm>
             <a:off x="590401" y="1282452"/>
-            <a:ext cx="8180755" cy="291405"/>
+            <a:ext cx="8180755" cy="308521"/>
           </a:xfrm>
           <a:prstGeom prst="rect">
             <a:avLst/>
@@ -9007,7 +9007,7 @@
           <a:p>
             <a:pPr algn="l" indent="0" marL="0">
               <a:lnSpc>
-                <a:spcPts val="2295"/>
+                <a:spcPts val="2430"/>
               </a:lnSpc>
               <a:spcBef>
                 <a:spcPts val="300"/>
@@ -9018,7 +9018,7 @@
               <a:buNone/>
             </a:pPr>
             <a:r>
-              <a:rPr lang="en-US" sz="1700" b="1" dirty="0">
+              <a:rPr lang="en-US" sz="1800" b="1" dirty="0">
                 <a:solidFill>
                   <a:srgbClr val="1E5128"/>
                 </a:solidFill>
@@ -9030,7 +9030,7 @@
             </a:r>
             <a:pPr algn="l" indent="0" marL="0">
               <a:lnSpc>
-                <a:spcPts val="2295"/>
+                <a:spcPts val="2430"/>
               </a:lnSpc>
               <a:spcBef>
                 <a:spcPts val="300"/>
@@ -9041,7 +9041,7 @@
               <a:buNone/>
             </a:pPr>
             <a:r>
-              <a:rPr lang="en-US" sz="1700" dirty="0">
+              <a:rPr lang="en-US" sz="1800" dirty="0">
                 <a:solidFill>
                   <a:srgbClr val="1E5128"/>
                 </a:solidFill>
@@ -9051,7 +9051,7 @@
               </a:rPr>
               <a:t> You navigated a repository — your digital barn.</a:t>
             </a:r>
-            <a:endParaRPr lang="en-US" sz="1700" dirty="0"/>
+            <a:endParaRPr lang="en-US" sz="1800" dirty="0"/>
           </a:p>
         </p:txBody>
       </p:sp>
@@ -9063,8 +9063,8 @@
         </p:nvSpPr>
         <p:spPr>
           <a:xfrm>
-            <a:off x="590401" y="1611957"/>
-            <a:ext cx="8180755" cy="291405"/>
+            <a:off x="590401" y="1629073"/>
+            <a:ext cx="8180755" cy="308521"/>
           </a:xfrm>
           <a:prstGeom prst="rect">
             <a:avLst/>
@@ -9078,7 +9078,7 @@
           <a:p>
             <a:pPr algn="l" indent="0" marL="0">
               <a:lnSpc>
-                <a:spcPts val="2295"/>
+                <a:spcPts val="2430"/>
               </a:lnSpc>
               <a:spcBef>
                 <a:spcPts val="300"/>
@@ -9089,7 +9089,7 @@
               <a:buNone/>
             </a:pPr>
             <a:r>
-              <a:rPr lang="en-US" sz="1700" b="1" dirty="0">
+              <a:rPr lang="en-US" sz="1800" b="1" dirty="0">
                 <a:solidFill>
                   <a:srgbClr val="1E5128"/>
                 </a:solidFill>
@@ -9101,7 +9101,7 @@
             </a:r>
             <a:pPr algn="l" indent="0" marL="0">
               <a:lnSpc>
-                <a:spcPts val="2295"/>
+                <a:spcPts val="2430"/>
               </a:lnSpc>
               <a:spcBef>
                 <a:spcPts val="300"/>
@@ -9112,7 +9112,7 @@
               <a:buNone/>
             </a:pPr>
             <a:r>
-              <a:rPr lang="en-US" sz="1700" dirty="0">
+              <a:rPr lang="en-US" sz="1800" dirty="0">
                 <a:solidFill>
                   <a:srgbClr val="1E5128"/>
                 </a:solidFill>
@@ -9122,7 +9122,7 @@
               </a:rPr>
               <a:t> You created Issues — your digital work orders.</a:t>
             </a:r>
-            <a:endParaRPr lang="en-US" sz="1700" dirty="0"/>
+            <a:endParaRPr lang="en-US" sz="1800" dirty="0"/>
           </a:p>
         </p:txBody>
       </p:sp>
@@ -9134,7 +9134,7 @@
         </p:nvSpPr>
         <p:spPr>
           <a:xfrm>
-            <a:off x="355550" y="2182564"/>
+            <a:off x="355550" y="2216795"/>
             <a:ext cx="8601557" cy="651272"/>
           </a:xfrm>
           <a:prstGeom prst="rect">
@@ -9228,7 +9228,7 @@
         </p:nvSpPr>
         <p:spPr>
           <a:xfrm>
-            <a:off x="355550" y="2960638"/>
+            <a:off x="355550" y="2994868"/>
             <a:ext cx="8601557" cy="325636"/>
           </a:xfrm>
           <a:prstGeom prst="rect">
@@ -9927,7 +9927,7 @@
                 <a:ea typeface="Arial" pitchFamily="34" charset="-122"/>
                 <a:cs typeface="Arial" pitchFamily="34" charset="-120"/>
               </a:rPr>
-              <a:t>Columns: To Do, In Progress, Done</a:t>
+              <a:t>Columns: Todo, In Progress, Done</a:t>
             </a:r>
             <a:endParaRPr lang="en-US" sz="1400" dirty="0"/>
           </a:p>
@@ -11110,11 +11110,11 @@
         <p:spPr>
           <a:xfrm>
             <a:off x="355550" y="1168152"/>
-            <a:ext cx="8432899" cy="1236613"/>
+            <a:ext cx="8432899" cy="1270843"/>
           </a:xfrm>
           <a:prstGeom prst="roundRect">
             <a:avLst>
-              <a:gd name="adj" fmla="val 8216"/>
+              <a:gd name="adj" fmla="val 7995"/>
             </a:avLst>
           </a:prstGeom>
           <a:solidFill>
@@ -11184,7 +11184,7 @@
         <p:spPr>
           <a:xfrm>
             <a:off x="478435" y="1669703"/>
-            <a:ext cx="8187130" cy="582811"/>
+            <a:ext cx="8187130" cy="617041"/>
           </a:xfrm>
           <a:prstGeom prst="rect">
             <a:avLst/>
@@ -11198,7 +11198,7 @@
           <a:p>
             <a:pPr algn="ctr" indent="0" marL="0">
               <a:lnSpc>
-                <a:spcPts val="2295"/>
+                <a:spcPts val="2430"/>
               </a:lnSpc>
               <a:spcBef>
                 <a:spcPts val="200"/>
@@ -11209,7 +11209,7 @@
               <a:buNone/>
             </a:pPr>
             <a:r>
-              <a:rPr lang="en-US" sz="1700" dirty="0">
+              <a:rPr lang="en-US" sz="1800" dirty="0">
                 <a:solidFill>
                   <a:srgbClr val="2C2C2C"/>
                 </a:solidFill>
@@ -11219,7 +11219,7 @@
               </a:rPr>
               <a:t>Learn to share your farm plans with others and work together — like passing a notebook back and forth, but everyone can see the changes.</a:t>
             </a:r>
-            <a:endParaRPr lang="en-US" sz="1700" dirty="0"/>
+            <a:endParaRPr lang="en-US" sz="1800" dirty="0"/>
           </a:p>
         </p:txBody>
       </p:sp>
@@ -11231,7 +11231,7 @@
         </p:nvSpPr>
         <p:spPr>
           <a:xfrm>
-            <a:off x="355550" y="2569666"/>
+            <a:off x="355550" y="2603897"/>
             <a:ext cx="8601557" cy="325636"/>
           </a:xfrm>
           <a:prstGeom prst="rect">
@@ -11279,7 +11279,7 @@
         </p:nvSpPr>
         <p:spPr>
           <a:xfrm>
-            <a:off x="355550" y="3022104"/>
+            <a:off x="355550" y="3056334"/>
             <a:ext cx="8432899" cy="1129308"/>
           </a:xfrm>
           <a:prstGeom prst="rect">
@@ -13057,12 +13057,12 @@
         </p:nvSpPr>
         <p:spPr>
           <a:xfrm>
-            <a:off x="355550" y="1582489"/>
-            <a:ext cx="8432899" cy="751284"/>
+            <a:off x="355550" y="1557189"/>
+            <a:ext cx="8432899" cy="718542"/>
           </a:xfrm>
           <a:prstGeom prst="roundRect">
             <a:avLst>
-              <a:gd name="adj" fmla="val 10143"/>
+              <a:gd name="adj" fmla="val 10605"/>
             </a:avLst>
           </a:prstGeom>
           <a:solidFill>
@@ -13089,8 +13089,8 @@
         </p:nvSpPr>
         <p:spPr>
           <a:xfrm>
-            <a:off x="384125" y="1582489"/>
-            <a:ext cx="0" cy="751284"/>
+            <a:off x="384125" y="1557189"/>
+            <a:ext cx="0" cy="718542"/>
           </a:xfrm>
           <a:prstGeom prst="line">
             <a:avLst/>
@@ -13112,8 +13112,8 @@
         </p:nvSpPr>
         <p:spPr>
           <a:xfrm>
-            <a:off x="565100" y="1683990"/>
-            <a:ext cx="8232368" cy="548283"/>
+            <a:off x="565100" y="1607939"/>
+            <a:ext cx="8232368" cy="617041"/>
           </a:xfrm>
           <a:prstGeom prst="rect">
             <a:avLst/>
@@ -13127,18 +13127,12 @@
           <a:p>
             <a:pPr algn="l" indent="0" marL="0">
               <a:lnSpc>
-                <a:spcPts val="2160"/>
-              </a:lnSpc>
-              <a:spcBef>
-                <a:spcPts val="200"/>
-              </a:spcBef>
-              <a:spcAft>
-                <a:spcPts val="200"/>
-              </a:spcAft>
-              <a:buNone/>
-            </a:pPr>
-            <a:r>
-              <a:rPr lang="en-US" sz="1600" b="1" dirty="0">
+                <a:spcPts val="2430"/>
+              </a:lnSpc>
+              <a:buNone/>
+            </a:pPr>
+            <a:r>
+              <a:rPr lang="en-US" sz="1800" b="1" dirty="0">
                 <a:solidFill>
                   <a:srgbClr val="2C2C2C"/>
                 </a:solidFill>
@@ -13150,28 +13144,22 @@
             </a:r>
             <a:pPr algn="l" indent="0" marL="0">
               <a:lnSpc>
-                <a:spcPts val="2160"/>
-              </a:lnSpc>
-              <a:spcBef>
-                <a:spcPts val="200"/>
-              </a:spcBef>
-              <a:spcAft>
-                <a:spcPts val="200"/>
-              </a:spcAft>
-              <a:buNone/>
-            </a:pPr>
-            <a:r>
-              <a:rPr lang="en-US" sz="1600" dirty="0">
-                <a:solidFill>
-                  <a:srgbClr val="2C2C2C"/>
-                </a:solidFill>
-                <a:latin typeface="Arial" pitchFamily="34" charset="0"/>
-                <a:ea typeface="Arial" pitchFamily="34" charset="-122"/>
-                <a:cs typeface="Arial" pitchFamily="34" charset="-120"/>
-              </a:rPr>
-              <a:t> — Columns like a whiteboard. Drag tasks between "To Do," "In Progress," and "Done."</a:t>
-            </a:r>
-            <a:endParaRPr lang="en-US" sz="1600" dirty="0"/>
+                <a:spcPts val="2430"/>
+              </a:lnSpc>
+              <a:buNone/>
+            </a:pPr>
+            <a:r>
+              <a:rPr lang="en-US" sz="1800" dirty="0">
+                <a:solidFill>
+                  <a:srgbClr val="2C2C2C"/>
+                </a:solidFill>
+                <a:latin typeface="Arial" pitchFamily="34" charset="0"/>
+                <a:ea typeface="Arial" pitchFamily="34" charset="-122"/>
+                <a:cs typeface="Arial" pitchFamily="34" charset="-120"/>
+              </a:rPr>
+              <a:t> — Columns like a whiteboard. Drag tasks between "Todo," "In Progress," and "Done."</a:t>
+            </a:r>
+            <a:endParaRPr lang="en-US" sz="1800" dirty="0"/>
           </a:p>
         </p:txBody>
       </p:sp>
@@ -13183,12 +13171,12 @@
         </p:nvSpPr>
         <p:spPr>
           <a:xfrm>
-            <a:off x="355550" y="2460575"/>
-            <a:ext cx="8432899" cy="477143"/>
+            <a:off x="355550" y="2351931"/>
+            <a:ext cx="8432899" cy="718542"/>
           </a:xfrm>
           <a:prstGeom prst="roundRect">
             <a:avLst>
-              <a:gd name="adj" fmla="val 15970"/>
+              <a:gd name="adj" fmla="val 10605"/>
             </a:avLst>
           </a:prstGeom>
           <a:solidFill>
@@ -13215,8 +13203,8 @@
         </p:nvSpPr>
         <p:spPr>
           <a:xfrm>
-            <a:off x="384125" y="2460575"/>
-            <a:ext cx="0" cy="477143"/>
+            <a:off x="384125" y="2351931"/>
+            <a:ext cx="0" cy="718542"/>
           </a:xfrm>
           <a:prstGeom prst="line">
             <a:avLst/>
@@ -13238,8 +13226,8 @@
         </p:nvSpPr>
         <p:spPr>
           <a:xfrm>
-            <a:off x="565100" y="2562076"/>
-            <a:ext cx="8232368" cy="274141"/>
+            <a:off x="565100" y="2402681"/>
+            <a:ext cx="8232368" cy="617041"/>
           </a:xfrm>
           <a:prstGeom prst="rect">
             <a:avLst/>
@@ -13253,18 +13241,12 @@
           <a:p>
             <a:pPr algn="l" indent="0" marL="0">
               <a:lnSpc>
-                <a:spcPts val="2160"/>
-              </a:lnSpc>
-              <a:spcBef>
-                <a:spcPts val="200"/>
-              </a:spcBef>
-              <a:spcAft>
-                <a:spcPts val="200"/>
-              </a:spcAft>
-              <a:buNone/>
-            </a:pPr>
-            <a:r>
-              <a:rPr lang="en-US" sz="1600" b="1" dirty="0">
+                <a:spcPts val="2430"/>
+              </a:lnSpc>
+              <a:buNone/>
+            </a:pPr>
+            <a:r>
+              <a:rPr lang="en-US" sz="1800" b="1" dirty="0">
                 <a:solidFill>
                   <a:srgbClr val="2C2C2C"/>
                 </a:solidFill>
@@ -13276,28 +13258,22 @@
             </a:r>
             <a:pPr algn="l" indent="0" marL="0">
               <a:lnSpc>
-                <a:spcPts val="2160"/>
-              </a:lnSpc>
-              <a:spcBef>
-                <a:spcPts val="200"/>
-              </a:spcBef>
-              <a:spcAft>
-                <a:spcPts val="200"/>
-              </a:spcAft>
-              <a:buNone/>
-            </a:pPr>
-            <a:r>
-              <a:rPr lang="en-US" sz="1600" dirty="0">
-                <a:solidFill>
-                  <a:srgbClr val="2C2C2C"/>
-                </a:solidFill>
-                <a:latin typeface="Arial" pitchFamily="34" charset="0"/>
-                <a:ea typeface="Arial" pitchFamily="34" charset="-122"/>
-                <a:cs typeface="Arial" pitchFamily="34" charset="-120"/>
-              </a:rPr>
-              <a:t> — Rows and columns like a spreadsheet. Sort, filter, and add custom fields.</a:t>
-            </a:r>
-            <a:endParaRPr lang="en-US" sz="1600" dirty="0"/>
+                <a:spcPts val="2430"/>
+              </a:lnSpc>
+              <a:buNone/>
+            </a:pPr>
+            <a:r>
+              <a:rPr lang="en-US" sz="1800" dirty="0">
+                <a:solidFill>
+                  <a:srgbClr val="2C2C2C"/>
+                </a:solidFill>
+                <a:latin typeface="Arial" pitchFamily="34" charset="0"/>
+                <a:ea typeface="Arial" pitchFamily="34" charset="-122"/>
+                <a:cs typeface="Arial" pitchFamily="34" charset="-120"/>
+              </a:rPr>
+              <a:t> — Rows and columns like a spreadsheet. Sort, filter, and add custom fields (extra columns you create yourself).</a:t>
+            </a:r>
+            <a:endParaRPr lang="en-US" sz="1800" dirty="0"/>
           </a:p>
         </p:txBody>
       </p:sp>
@@ -13309,12 +13285,12 @@
         </p:nvSpPr>
         <p:spPr>
           <a:xfrm>
-            <a:off x="355550" y="3064520"/>
-            <a:ext cx="8432899" cy="751284"/>
+            <a:off x="355550" y="3146673"/>
+            <a:ext cx="8432899" cy="718542"/>
           </a:xfrm>
           <a:prstGeom prst="roundRect">
             <a:avLst>
-              <a:gd name="adj" fmla="val 10143"/>
+              <a:gd name="adj" fmla="val 10605"/>
             </a:avLst>
           </a:prstGeom>
           <a:solidFill>
@@ -13341,8 +13317,8 @@
         </p:nvSpPr>
         <p:spPr>
           <a:xfrm>
-            <a:off x="384125" y="3064520"/>
-            <a:ext cx="0" cy="751284"/>
+            <a:off x="384125" y="3146673"/>
+            <a:ext cx="0" cy="718542"/>
           </a:xfrm>
           <a:prstGeom prst="line">
             <a:avLst/>
@@ -13364,8 +13340,8 @@
         </p:nvSpPr>
         <p:spPr>
           <a:xfrm>
-            <a:off x="565100" y="3166021"/>
-            <a:ext cx="8232368" cy="548283"/>
+            <a:off x="565100" y="3197423"/>
+            <a:ext cx="8232368" cy="617041"/>
           </a:xfrm>
           <a:prstGeom prst="rect">
             <a:avLst/>
@@ -13379,18 +13355,12 @@
           <a:p>
             <a:pPr algn="l" indent="0" marL="0">
               <a:lnSpc>
-                <a:spcPts val="2160"/>
-              </a:lnSpc>
-              <a:spcBef>
-                <a:spcPts val="200"/>
-              </a:spcBef>
-              <a:spcAft>
-                <a:spcPts val="200"/>
-              </a:spcAft>
-              <a:buNone/>
-            </a:pPr>
-            <a:r>
-              <a:rPr lang="en-US" sz="1600" b="1" dirty="0">
+                <a:spcPts val="2430"/>
+              </a:lnSpc>
+              <a:buNone/>
+            </a:pPr>
+            <a:r>
+              <a:rPr lang="en-US" sz="1800" b="1" dirty="0">
                 <a:solidFill>
                   <a:srgbClr val="2C2C2C"/>
                 </a:solidFill>
@@ -13402,18 +13372,12 @@
             </a:r>
             <a:pPr algn="l" indent="0" marL="0">
               <a:lnSpc>
-                <a:spcPts val="2160"/>
-              </a:lnSpc>
-              <a:spcBef>
-                <a:spcPts val="200"/>
-              </a:spcBef>
-              <a:spcAft>
-                <a:spcPts val="200"/>
-              </a:spcAft>
-              <a:buNone/>
-            </a:pPr>
-            <a:r>
-              <a:rPr lang="en-US" sz="1600" dirty="0">
+                <a:spcPts val="2430"/>
+              </a:lnSpc>
+              <a:buNone/>
+            </a:pPr>
+            <a:r>
+              <a:rPr lang="en-US" sz="1800" dirty="0">
                 <a:solidFill>
                   <a:srgbClr val="2C2C2C"/>
                 </a:solidFill>
@@ -13423,7 +13387,7 @@
               </a:rPr>
               <a:t> — A calendar showing when tasks start and end. See your whole season at a glance.</a:t>
             </a:r>
-            <a:endParaRPr lang="en-US" sz="1600" dirty="0"/>
+            <a:endParaRPr lang="en-US" sz="1800" dirty="0"/>
           </a:p>
         </p:txBody>
       </p:sp>
@@ -13435,7 +13399,7 @@
         </p:nvSpPr>
         <p:spPr>
           <a:xfrm>
-            <a:off x="355550" y="3942606"/>
+            <a:off x="355550" y="3966716"/>
             <a:ext cx="8601557" cy="651272"/>
           </a:xfrm>
           <a:prstGeom prst="rect">
@@ -13585,7 +13549,7 @@
         <p:spPr>
           <a:xfrm>
             <a:off x="355550" y="1104751"/>
-            <a:ext cx="8601557" cy="274141"/>
+            <a:ext cx="8601557" cy="308521"/>
           </a:xfrm>
           <a:prstGeom prst="rect">
             <a:avLst/>
@@ -13599,7 +13563,7 @@
           <a:p>
             <a:pPr algn="l" indent="0" marL="0">
               <a:lnSpc>
-                <a:spcPts val="2160"/>
+                <a:spcPts val="2430"/>
               </a:lnSpc>
               <a:spcBef>
                 <a:spcPts val="300"/>
@@ -13610,7 +13574,7 @@
               <a:buNone/>
             </a:pPr>
             <a:r>
-              <a:rPr lang="en-US" sz="1600" b="1" dirty="0">
+              <a:rPr lang="en-US" sz="1800" b="1" dirty="0">
                 <a:solidFill>
                   <a:srgbClr val="2C2C2C"/>
                 </a:solidFill>
@@ -13620,7 +13584,7 @@
               </a:rPr>
               <a:t>Columns like a whiteboard. Drag cards to update status.</a:t>
             </a:r>
-            <a:endParaRPr lang="en-US" sz="1600" dirty="0"/>
+            <a:endParaRPr lang="en-US" sz="1800" dirty="0"/>
           </a:p>
         </p:txBody>
       </p:sp>
@@ -13632,12 +13596,12 @@
         </p:nvSpPr>
         <p:spPr>
           <a:xfrm>
-            <a:off x="355550" y="1467743"/>
-            <a:ext cx="2760166" cy="1431131"/>
+            <a:off x="355550" y="1502122"/>
+            <a:ext cx="2760166" cy="1534269"/>
           </a:xfrm>
           <a:prstGeom prst="roundRect">
             <a:avLst>
-              <a:gd name="adj" fmla="val 5324"/>
+              <a:gd name="adj" fmla="val 4967"/>
             </a:avLst>
           </a:prstGeom>
           <a:solidFill>
@@ -13664,12 +13628,12 @@
         </p:nvSpPr>
         <p:spPr>
           <a:xfrm>
-            <a:off x="431750" y="1518493"/>
-            <a:ext cx="2607766" cy="400943"/>
+            <a:off x="431750" y="1552873"/>
+            <a:ext cx="2607766" cy="435322"/>
           </a:xfrm>
           <a:prstGeom prst="roundRect">
             <a:avLst>
-              <a:gd name="adj" fmla="val 12670"/>
+              <a:gd name="adj" fmla="val 11670"/>
             </a:avLst>
           </a:prstGeom>
           <a:solidFill>
@@ -13696,8 +13660,8 @@
         </p:nvSpPr>
         <p:spPr>
           <a:xfrm>
-            <a:off x="483397" y="1581894"/>
-            <a:ext cx="2504474" cy="274141"/>
+            <a:off x="483397" y="1616273"/>
+            <a:ext cx="2504474" cy="308521"/>
           </a:xfrm>
           <a:prstGeom prst="rect">
             <a:avLst/>
@@ -13711,7 +13675,7 @@
           <a:p>
             <a:pPr algn="ctr" indent="0" marL="0">
               <a:lnSpc>
-                <a:spcPts val="2160"/>
+                <a:spcPts val="2430"/>
               </a:lnSpc>
               <a:spcBef>
                 <a:spcPts val="300"/>
@@ -13722,7 +13686,7 @@
               <a:buNone/>
             </a:pPr>
             <a:r>
-              <a:rPr lang="en-US" sz="1600" b="1" dirty="0">
+              <a:rPr lang="en-US" sz="1800" b="1" dirty="0">
                 <a:solidFill>
                   <a:srgbClr val="FFFFFF"/>
                 </a:solidFill>
@@ -13730,9 +13694,9 @@
                 <a:ea typeface="Arial" pitchFamily="34" charset="-122"/>
                 <a:cs typeface="Arial" pitchFamily="34" charset="-120"/>
               </a:rPr>
-              <a:t>To Do</a:t>
-            </a:r>
-            <a:endParaRPr lang="en-US" sz="1600" dirty="0"/>
+              <a:t>Todo</a:t>
+            </a:r>
+            <a:endParaRPr lang="en-US" sz="1800" dirty="0"/>
           </a:p>
         </p:txBody>
       </p:sp>
@@ -13744,12 +13708,12 @@
         </p:nvSpPr>
         <p:spPr>
           <a:xfrm>
-            <a:off x="431750" y="1957536"/>
-            <a:ext cx="2607766" cy="419993"/>
+            <a:off x="431750" y="2026295"/>
+            <a:ext cx="2607766" cy="454372"/>
           </a:xfrm>
           <a:prstGeom prst="roundRect">
             <a:avLst>
-              <a:gd name="adj" fmla="val 9072"/>
+              <a:gd name="adj" fmla="val 8385"/>
             </a:avLst>
           </a:prstGeom>
           <a:solidFill>
@@ -13780,8 +13744,8 @@
         </p:nvSpPr>
         <p:spPr>
           <a:xfrm>
-            <a:off x="517475" y="2030462"/>
-            <a:ext cx="2485043" cy="274141"/>
+            <a:off x="517475" y="2099221"/>
+            <a:ext cx="2485043" cy="308521"/>
           </a:xfrm>
           <a:prstGeom prst="rect">
             <a:avLst/>
@@ -13795,7 +13759,7 @@
           <a:p>
             <a:pPr algn="l" indent="0" marL="0">
               <a:lnSpc>
-                <a:spcPts val="2160"/>
+                <a:spcPts val="2430"/>
               </a:lnSpc>
               <a:spcBef>
                 <a:spcPts val="300"/>
@@ -13806,7 +13770,7 @@
               <a:buNone/>
             </a:pPr>
             <a:r>
-              <a:rPr lang="en-US" sz="1600" dirty="0">
+              <a:rPr lang="en-US" sz="1800" dirty="0">
                 <a:solidFill>
                   <a:srgbClr val="2C2C2C"/>
                 </a:solidFill>
@@ -13816,7 +13780,7 @@
               </a:rPr>
               <a:t>Order soybean seeds</a:t>
             </a:r>
-            <a:endParaRPr lang="en-US" sz="1600" dirty="0"/>
+            <a:endParaRPr lang="en-US" sz="1800" dirty="0"/>
           </a:p>
         </p:txBody>
       </p:sp>
@@ -13828,12 +13792,12 @@
         </p:nvSpPr>
         <p:spPr>
           <a:xfrm>
-            <a:off x="431750" y="2402830"/>
-            <a:ext cx="2607766" cy="419993"/>
+            <a:off x="431750" y="2505968"/>
+            <a:ext cx="2607766" cy="454372"/>
           </a:xfrm>
           <a:prstGeom prst="roundRect">
             <a:avLst>
-              <a:gd name="adj" fmla="val 9072"/>
+              <a:gd name="adj" fmla="val 8385"/>
             </a:avLst>
           </a:prstGeom>
           <a:solidFill>
@@ -13864,8 +13828,8 @@
         </p:nvSpPr>
         <p:spPr>
           <a:xfrm>
-            <a:off x="517475" y="2475756"/>
-            <a:ext cx="2485043" cy="274141"/>
+            <a:off x="517475" y="2578894"/>
+            <a:ext cx="2485043" cy="308521"/>
           </a:xfrm>
           <a:prstGeom prst="rect">
             <a:avLst/>
@@ -13879,7 +13843,7 @@
           <a:p>
             <a:pPr algn="l" indent="0" marL="0">
               <a:lnSpc>
-                <a:spcPts val="2160"/>
+                <a:spcPts val="2430"/>
               </a:lnSpc>
               <a:spcBef>
                 <a:spcPts val="300"/>
@@ -13890,7 +13854,7 @@
               <a:buNone/>
             </a:pPr>
             <a:r>
-              <a:rPr lang="en-US" sz="1600" dirty="0">
+              <a:rPr lang="en-US" sz="1800" dirty="0">
                 <a:solidFill>
                   <a:srgbClr val="2C2C2C"/>
                 </a:solidFill>
@@ -13900,7 +13864,7 @@
               </a:rPr>
               <a:t>Test soil in Field 3</a:t>
             </a:r>
-            <a:endParaRPr lang="en-US" sz="1600" dirty="0"/>
+            <a:endParaRPr lang="en-US" sz="1800" dirty="0"/>
           </a:p>
         </p:txBody>
       </p:sp>
@@ -13912,12 +13876,12 @@
         </p:nvSpPr>
         <p:spPr>
           <a:xfrm>
-            <a:off x="3191917" y="1467743"/>
-            <a:ext cx="2760166" cy="1431131"/>
+            <a:off x="3191917" y="1502122"/>
+            <a:ext cx="2760166" cy="1534269"/>
           </a:xfrm>
           <a:prstGeom prst="roundRect">
             <a:avLst>
-              <a:gd name="adj" fmla="val 5324"/>
+              <a:gd name="adj" fmla="val 4967"/>
             </a:avLst>
           </a:prstGeom>
           <a:solidFill>
@@ -13944,12 +13908,12 @@
         </p:nvSpPr>
         <p:spPr>
           <a:xfrm>
-            <a:off x="3268117" y="1518493"/>
-            <a:ext cx="2607766" cy="400943"/>
+            <a:off x="3268117" y="1552873"/>
+            <a:ext cx="2607766" cy="435322"/>
           </a:xfrm>
           <a:prstGeom prst="roundRect">
             <a:avLst>
-              <a:gd name="adj" fmla="val 12670"/>
+              <a:gd name="adj" fmla="val 11670"/>
             </a:avLst>
           </a:prstGeom>
           <a:solidFill>
@@ -13976,8 +13940,8 @@
         </p:nvSpPr>
         <p:spPr>
           <a:xfrm>
-            <a:off x="3319763" y="1581894"/>
-            <a:ext cx="2504474" cy="274141"/>
+            <a:off x="3319763" y="1616273"/>
+            <a:ext cx="2504474" cy="308521"/>
           </a:xfrm>
           <a:prstGeom prst="rect">
             <a:avLst/>
@@ -13991,7 +13955,7 @@
           <a:p>
             <a:pPr algn="ctr" indent="0" marL="0">
               <a:lnSpc>
-                <a:spcPts val="2160"/>
+                <a:spcPts val="2430"/>
               </a:lnSpc>
               <a:spcBef>
                 <a:spcPts val="300"/>
@@ -14002,7 +13966,7 @@
               <a:buNone/>
             </a:pPr>
             <a:r>
-              <a:rPr lang="en-US" sz="1600" b="1" dirty="0">
+              <a:rPr lang="en-US" sz="1800" b="1" dirty="0">
                 <a:solidFill>
                   <a:srgbClr val="FFFFFF"/>
                 </a:solidFill>
@@ -14012,7 +13976,7 @@
               </a:rPr>
               <a:t>In Progress</a:t>
             </a:r>
-            <a:endParaRPr lang="en-US" sz="1600" dirty="0"/>
+            <a:endParaRPr lang="en-US" sz="1800" dirty="0"/>
           </a:p>
         </p:txBody>
       </p:sp>
@@ -14024,12 +13988,12 @@
         </p:nvSpPr>
         <p:spPr>
           <a:xfrm>
-            <a:off x="3268117" y="1957536"/>
-            <a:ext cx="2607766" cy="419993"/>
+            <a:off x="3268117" y="2026295"/>
+            <a:ext cx="2607766" cy="454372"/>
           </a:xfrm>
           <a:prstGeom prst="roundRect">
             <a:avLst>
-              <a:gd name="adj" fmla="val 9072"/>
+              <a:gd name="adj" fmla="val 8385"/>
             </a:avLst>
           </a:prstGeom>
           <a:solidFill>
@@ -14060,8 +14024,8 @@
         </p:nvSpPr>
         <p:spPr>
           <a:xfrm>
-            <a:off x="3353842" y="2030462"/>
-            <a:ext cx="2485043" cy="274141"/>
+            <a:off x="3353842" y="2099221"/>
+            <a:ext cx="2485043" cy="308521"/>
           </a:xfrm>
           <a:prstGeom prst="rect">
             <a:avLst/>
@@ -14075,7 +14039,7 @@
           <a:p>
             <a:pPr algn="l" indent="0" marL="0">
               <a:lnSpc>
-                <a:spcPts val="2160"/>
+                <a:spcPts val="2430"/>
               </a:lnSpc>
               <a:spcBef>
                 <a:spcPts val="300"/>
@@ -14086,7 +14050,7 @@
               <a:buNone/>
             </a:pPr>
             <a:r>
-              <a:rPr lang="en-US" sz="1600" dirty="0">
+              <a:rPr lang="en-US" sz="1800" dirty="0">
                 <a:solidFill>
                   <a:srgbClr val="2C2C2C"/>
                 </a:solidFill>
@@ -14096,7 +14060,7 @@
               </a:rPr>
               <a:t>Prepare Field 1 for corn</a:t>
             </a:r>
-            <a:endParaRPr lang="en-US" sz="1600" dirty="0"/>
+            <a:endParaRPr lang="en-US" sz="1800" dirty="0"/>
           </a:p>
         </p:txBody>
       </p:sp>
@@ -14108,12 +14072,12 @@
         </p:nvSpPr>
         <p:spPr>
           <a:xfrm>
-            <a:off x="6028283" y="1467743"/>
-            <a:ext cx="2760166" cy="1431131"/>
+            <a:off x="6028283" y="1502122"/>
+            <a:ext cx="2760166" cy="1534269"/>
           </a:xfrm>
           <a:prstGeom prst="roundRect">
             <a:avLst>
-              <a:gd name="adj" fmla="val 5324"/>
+              <a:gd name="adj" fmla="val 4967"/>
             </a:avLst>
           </a:prstGeom>
           <a:solidFill>
@@ -14140,12 +14104,12 @@
         </p:nvSpPr>
         <p:spPr>
           <a:xfrm>
-            <a:off x="6104483" y="1518493"/>
-            <a:ext cx="2607766" cy="400943"/>
+            <a:off x="6104483" y="1552873"/>
+            <a:ext cx="2607766" cy="435322"/>
           </a:xfrm>
           <a:prstGeom prst="roundRect">
             <a:avLst>
-              <a:gd name="adj" fmla="val 12670"/>
+              <a:gd name="adj" fmla="val 11670"/>
             </a:avLst>
           </a:prstGeom>
           <a:solidFill>
@@ -14172,8 +14136,8 @@
         </p:nvSpPr>
         <p:spPr>
           <a:xfrm>
-            <a:off x="6156130" y="1581894"/>
-            <a:ext cx="2504474" cy="274141"/>
+            <a:off x="6156130" y="1616273"/>
+            <a:ext cx="2504474" cy="308521"/>
           </a:xfrm>
           <a:prstGeom prst="rect">
             <a:avLst/>
@@ -14187,7 +14151,7 @@
           <a:p>
             <a:pPr algn="ctr" indent="0" marL="0">
               <a:lnSpc>
-                <a:spcPts val="2160"/>
+                <a:spcPts val="2430"/>
               </a:lnSpc>
               <a:spcBef>
                 <a:spcPts val="300"/>
@@ -14198,7 +14162,7 @@
               <a:buNone/>
             </a:pPr>
             <a:r>
-              <a:rPr lang="en-US" sz="1600" b="1" dirty="0">
+              <a:rPr lang="en-US" sz="1800" b="1" dirty="0">
                 <a:solidFill>
                   <a:srgbClr val="FFFFFF"/>
                 </a:solidFill>
@@ -14208,7 +14172,7 @@
               </a:rPr>
               <a:t>Done</a:t>
             </a:r>
-            <a:endParaRPr lang="en-US" sz="1600" dirty="0"/>
+            <a:endParaRPr lang="en-US" sz="1800" dirty="0"/>
           </a:p>
         </p:txBody>
       </p:sp>
@@ -14220,12 +14184,12 @@
         </p:nvSpPr>
         <p:spPr>
           <a:xfrm>
-            <a:off x="6104483" y="1957536"/>
-            <a:ext cx="2607766" cy="419993"/>
+            <a:off x="6104483" y="2026295"/>
+            <a:ext cx="2607766" cy="454372"/>
           </a:xfrm>
           <a:prstGeom prst="roundRect">
             <a:avLst>
-              <a:gd name="adj" fmla="val 9072"/>
+              <a:gd name="adj" fmla="val 8385"/>
             </a:avLst>
           </a:prstGeom>
           <a:solidFill>
@@ -14256,8 +14220,8 @@
         </p:nvSpPr>
         <p:spPr>
           <a:xfrm>
-            <a:off x="6190208" y="2030462"/>
-            <a:ext cx="2485043" cy="274141"/>
+            <a:off x="6190208" y="2099221"/>
+            <a:ext cx="2485043" cy="308521"/>
           </a:xfrm>
           <a:prstGeom prst="rect">
             <a:avLst/>
@@ -14271,7 +14235,7 @@
           <a:p>
             <a:pPr algn="l" indent="0" marL="0">
               <a:lnSpc>
-                <a:spcPts val="2160"/>
+                <a:spcPts val="2430"/>
               </a:lnSpc>
               <a:spcBef>
                 <a:spcPts val="300"/>
@@ -14282,7 +14246,7 @@
               <a:buNone/>
             </a:pPr>
             <a:r>
-              <a:rPr lang="en-US" sz="1600" dirty="0">
+              <a:rPr lang="en-US" sz="1800" dirty="0">
                 <a:solidFill>
                   <a:srgbClr val="2C2C2C"/>
                 </a:solidFill>
@@ -14292,7 +14256,7 @@
               </a:rPr>
               <a:t>Fix irrigation pump</a:t>
             </a:r>
-            <a:endParaRPr lang="en-US" sz="1600" dirty="0"/>
+            <a:endParaRPr lang="en-US" sz="1800" dirty="0"/>
           </a:p>
         </p:txBody>
       </p:sp>
@@ -15081,7 +15045,7 @@
                 <a:ea typeface="Arial" pitchFamily="34" charset="-122"/>
                 <a:cs typeface="Arial" pitchFamily="34" charset="-120"/>
               </a:rPr>
-              <a:t>To Do</a:t>
+              <a:t>Todo</a:t>
             </a:r>
             <a:endParaRPr lang="en-US" sz="1300" dirty="0"/>
           </a:p>
